--- a/2020/LeedsManchester/Azure Data Studio - and why would I want to use that.pptx
+++ b/2020/LeedsManchester/Azure Data Studio - and why would I want to use that.pptx
@@ -5,16 +5,17 @@
     <p:sldMasterId id="2147483648" r:id="rId1"/>
   </p:sldMasterIdLst>
   <p:notesMasterIdLst>
-    <p:notesMasterId r:id="rId6"/>
+    <p:notesMasterId r:id="rId7"/>
   </p:notesMasterIdLst>
   <p:handoutMasterIdLst>
-    <p:handoutMasterId r:id="rId7"/>
+    <p:handoutMasterId r:id="rId8"/>
   </p:handoutMasterIdLst>
   <p:sldIdLst>
     <p:sldId id="256" r:id="rId2"/>
     <p:sldId id="338" r:id="rId3"/>
-    <p:sldId id="336" r:id="rId4"/>
-    <p:sldId id="344" r:id="rId5"/>
+    <p:sldId id="345" r:id="rId4"/>
+    <p:sldId id="336" r:id="rId5"/>
+    <p:sldId id="344" r:id="rId6"/>
   </p:sldIdLst>
   <p:sldSz cx="9144000" cy="5143500" type="screen16x9"/>
   <p:notesSz cx="6858000" cy="9144000"/>
@@ -1077,7 +1078,7 @@
           <a:p>
             <a:fld id="{2FDEA226-1950-9346-BBCC-45D214247BC3}" type="datetimeFigureOut">
               <a:rPr lang="en-US" smtClean="0"/>
-              <a:t>3/9/2020</a:t>
+              <a:t>3/10/2020</a:t>
             </a:fld>
             <a:endParaRPr lang="en-US"/>
           </a:p>
@@ -1177,7 +1178,7 @@
           <a:p>
             <a:fld id="{A76353FC-0869-45D3-95AF-CC29198471C2}" type="datetimeFigureOut">
               <a:rPr lang="en-US" smtClean="0"/>
-              <a:t>3/9/2020</a:t>
+              <a:t>3/10/2020</a:t>
             </a:fld>
             <a:endParaRPr lang="en-US"/>
           </a:p>
@@ -7305,6 +7306,690 @@
       </p:grpSpPr>
       <p:sp>
         <p:nvSpPr>
+          <p:cNvPr id="2" name="Title 1">
+            <a:extLst>
+              <a:ext uri="{FF2B5EF4-FFF2-40B4-BE49-F238E27FC236}">
+                <a16:creationId xmlns:a16="http://schemas.microsoft.com/office/drawing/2014/main" id="{4734E31B-DD53-4566-B576-2C090DE0817E}"/>
+              </a:ext>
+            </a:extLst>
+          </p:cNvPr>
+          <p:cNvSpPr>
+            <a:spLocks noGrp="1"/>
+          </p:cNvSpPr>
+          <p:nvPr>
+            <p:ph type="title"/>
+          </p:nvPr>
+        </p:nvSpPr>
+        <p:spPr/>
+        <p:txBody>
+          <a:bodyPr/>
+          <a:lstStyle/>
+          <a:p>
+            <a:r>
+              <a:rPr lang="en-GB" dirty="0">
+                <a:solidFill>
+                  <a:srgbClr val="289E52"/>
+                </a:solidFill>
+              </a:rPr>
+              <a:t>What</a:t>
+            </a:r>
+          </a:p>
+        </p:txBody>
+      </p:sp>
+      <p:sp>
+        <p:nvSpPr>
+          <p:cNvPr id="4" name="Text Placeholder 3">
+            <a:extLst>
+              <a:ext uri="{FF2B5EF4-FFF2-40B4-BE49-F238E27FC236}">
+                <a16:creationId xmlns:a16="http://schemas.microsoft.com/office/drawing/2014/main" id="{CC305734-6672-4A7C-9575-36E078107A88}"/>
+              </a:ext>
+            </a:extLst>
+          </p:cNvPr>
+          <p:cNvSpPr>
+            <a:spLocks noGrp="1"/>
+          </p:cNvSpPr>
+          <p:nvPr>
+            <p:ph type="body" sz="quarter" idx="21"/>
+          </p:nvPr>
+        </p:nvSpPr>
+        <p:spPr>
+          <a:xfrm>
+            <a:off x="312744" y="1088728"/>
+            <a:ext cx="8481212" cy="3669124"/>
+          </a:xfrm>
+        </p:spPr>
+        <p:txBody>
+          <a:bodyPr/>
+          <a:lstStyle/>
+          <a:p>
+            <a:pPr marL="243000" indent="-243000">
+              <a:buFont typeface="Arial" panose="020B0604020202020204" pitchFamily="34" charset="0"/>
+              <a:buChar char="•"/>
+            </a:pPr>
+            <a:r>
+              <a:rPr lang="en-GB" dirty="0" err="1"/>
+              <a:t>AzureDataStudio’s</a:t>
+            </a:r>
+            <a:r>
+              <a:rPr lang="en-GB" dirty="0"/>
+              <a:t> best bits</a:t>
+            </a:r>
+          </a:p>
+          <a:p>
+            <a:pPr marL="243000" indent="-243000">
+              <a:buFont typeface="Arial" panose="020B0604020202020204" pitchFamily="34" charset="0"/>
+              <a:buChar char="•"/>
+            </a:pPr>
+            <a:endParaRPr lang="en-GB" dirty="0"/>
+          </a:p>
+          <a:p>
+            <a:pPr marL="243000" indent="-243000">
+              <a:buFont typeface="Arial" panose="020B0604020202020204" pitchFamily="34" charset="0"/>
+              <a:buChar char="•"/>
+            </a:pPr>
+            <a:r>
+              <a:rPr lang="en-GB" dirty="0"/>
+              <a:t>DISCLAIMER.. Its not a replacement for SSMS….</a:t>
+            </a:r>
+          </a:p>
+          <a:p>
+            <a:pPr marL="243000" indent="-243000">
+              <a:buFont typeface="Arial" panose="020B0604020202020204" pitchFamily="34" charset="0"/>
+              <a:buChar char="•"/>
+            </a:pPr>
+            <a:endParaRPr lang="en-GB" dirty="0"/>
+          </a:p>
+          <a:p>
+            <a:pPr marL="243000" indent="-243000">
+              <a:buFont typeface="Arial" panose="020B0604020202020204" pitchFamily="34" charset="0"/>
+              <a:buChar char="•"/>
+            </a:pPr>
+            <a:r>
+              <a:rPr lang="en-GB" dirty="0"/>
+              <a:t>But it can do things that can’t be done in SSMS</a:t>
+            </a:r>
+          </a:p>
+          <a:p>
+            <a:pPr marL="243000" indent="-243000">
+              <a:buFont typeface="Arial" panose="020B0604020202020204" pitchFamily="34" charset="0"/>
+              <a:buChar char="•"/>
+            </a:pPr>
+            <a:endParaRPr lang="en-GB" dirty="0"/>
+          </a:p>
+          <a:p>
+            <a:pPr marL="243000" indent="-243000">
+              <a:buFont typeface="Arial" panose="020B0604020202020204" pitchFamily="34" charset="0"/>
+              <a:buChar char="•"/>
+            </a:pPr>
+            <a:r>
+              <a:rPr lang="en-GB" dirty="0"/>
+              <a:t>Condensed 30 min talk on how ADS compliments SSMS</a:t>
+            </a:r>
+          </a:p>
+          <a:p>
+            <a:pPr marL="342900" indent="-342900">
+              <a:buFont typeface="Arial" panose="020B0604020202020204" pitchFamily="34" charset="0"/>
+              <a:buChar char="•"/>
+            </a:pPr>
+            <a:endParaRPr lang="en-GB" dirty="0"/>
+          </a:p>
+        </p:txBody>
+      </p:sp>
+      <p:pic>
+        <p:nvPicPr>
+          <p:cNvPr id="5" name="Picture 4">
+            <a:extLst>
+              <a:ext uri="{FF2B5EF4-FFF2-40B4-BE49-F238E27FC236}">
+                <a16:creationId xmlns:a16="http://schemas.microsoft.com/office/drawing/2014/main" id="{3D3A3FFE-04FA-4A3F-8A61-35FD4DD1D85D}"/>
+              </a:ext>
+            </a:extLst>
+          </p:cNvPr>
+          <p:cNvPicPr>
+            <a:picLocks noChangeAspect="1"/>
+          </p:cNvPicPr>
+          <p:nvPr/>
+        </p:nvPicPr>
+        <p:blipFill>
+          <a:blip r:embed="rId2"/>
+          <a:stretch>
+            <a:fillRect/>
+          </a:stretch>
+        </p:blipFill>
+        <p:spPr>
+          <a:xfrm>
+            <a:off x="8376609" y="88074"/>
+            <a:ext cx="909291" cy="454646"/>
+          </a:xfrm>
+          <a:prstGeom prst="rect">
+            <a:avLst/>
+          </a:prstGeom>
+          <a:effectLst>
+            <a:softEdge rad="0"/>
+          </a:effectLst>
+        </p:spPr>
+      </p:pic>
+    </p:spTree>
+    <p:extLst>
+      <p:ext uri="{BB962C8B-B14F-4D97-AF65-F5344CB8AC3E}">
+        <p14:creationId xmlns:p14="http://schemas.microsoft.com/office/powerpoint/2010/main" val="3026312136"/>
+      </p:ext>
+    </p:extLst>
+  </p:cSld>
+  <p:clrMapOvr>
+    <a:masterClrMapping/>
+  </p:clrMapOvr>
+  <p:timing>
+    <p:tnLst>
+      <p:par>
+        <p:cTn id="1" dur="indefinite" restart="never" nodeType="tmRoot">
+          <p:childTnLst>
+            <p:seq concurrent="1" nextAc="seek">
+              <p:cTn id="2" dur="indefinite" nodeType="mainSeq">
+                <p:childTnLst>
+                  <p:par>
+                    <p:cTn id="3" fill="hold">
+                      <p:stCondLst>
+                        <p:cond delay="indefinite"/>
+                      </p:stCondLst>
+                      <p:childTnLst>
+                        <p:par>
+                          <p:cTn id="4" fill="hold">
+                            <p:stCondLst>
+                              <p:cond delay="0"/>
+                            </p:stCondLst>
+                            <p:childTnLst>
+                              <p:par>
+                                <p:cTn id="5" presetID="42" presetClass="entr" presetSubtype="0" fill="hold" nodeType="clickEffect">
+                                  <p:stCondLst>
+                                    <p:cond delay="0"/>
+                                  </p:stCondLst>
+                                  <p:childTnLst>
+                                    <p:set>
+                                      <p:cBhvr>
+                                        <p:cTn id="6" dur="1" fill="hold">
+                                          <p:stCondLst>
+                                            <p:cond delay="0"/>
+                                          </p:stCondLst>
+                                        </p:cTn>
+                                        <p:tgtEl>
+                                          <p:spTgt spid="4">
+                                            <p:txEl>
+                                              <p:pRg st="0" end="0"/>
+                                            </p:txEl>
+                                          </p:spTgt>
+                                        </p:tgtEl>
+                                        <p:attrNameLst>
+                                          <p:attrName>style.visibility</p:attrName>
+                                        </p:attrNameLst>
+                                      </p:cBhvr>
+                                      <p:to>
+                                        <p:strVal val="visible"/>
+                                      </p:to>
+                                    </p:set>
+                                    <p:animEffect transition="in" filter="fade">
+                                      <p:cBhvr>
+                                        <p:cTn id="7" dur="1000"/>
+                                        <p:tgtEl>
+                                          <p:spTgt spid="4">
+                                            <p:txEl>
+                                              <p:pRg st="0" end="0"/>
+                                            </p:txEl>
+                                          </p:spTgt>
+                                        </p:tgtEl>
+                                      </p:cBhvr>
+                                    </p:animEffect>
+                                    <p:anim calcmode="lin" valueType="num">
+                                      <p:cBhvr>
+                                        <p:cTn id="8" dur="1000" fill="hold"/>
+                                        <p:tgtEl>
+                                          <p:spTgt spid="4">
+                                            <p:txEl>
+                                              <p:pRg st="0" end="0"/>
+                                            </p:txEl>
+                                          </p:spTgt>
+                                        </p:tgtEl>
+                                        <p:attrNameLst>
+                                          <p:attrName>ppt_x</p:attrName>
+                                        </p:attrNameLst>
+                                      </p:cBhvr>
+                                      <p:tavLst>
+                                        <p:tav tm="0">
+                                          <p:val>
+                                            <p:strVal val="#ppt_x"/>
+                                          </p:val>
+                                        </p:tav>
+                                        <p:tav tm="100000">
+                                          <p:val>
+                                            <p:strVal val="#ppt_x"/>
+                                          </p:val>
+                                        </p:tav>
+                                      </p:tavLst>
+                                    </p:anim>
+                                    <p:anim calcmode="lin" valueType="num">
+                                      <p:cBhvr>
+                                        <p:cTn id="9" dur="1000" fill="hold"/>
+                                        <p:tgtEl>
+                                          <p:spTgt spid="4">
+                                            <p:txEl>
+                                              <p:pRg st="0" end="0"/>
+                                            </p:txEl>
+                                          </p:spTgt>
+                                        </p:tgtEl>
+                                        <p:attrNameLst>
+                                          <p:attrName>ppt_y</p:attrName>
+                                        </p:attrNameLst>
+                                      </p:cBhvr>
+                                      <p:tavLst>
+                                        <p:tav tm="0">
+                                          <p:val>
+                                            <p:strVal val="#ppt_y+.1"/>
+                                          </p:val>
+                                        </p:tav>
+                                        <p:tav tm="100000">
+                                          <p:val>
+                                            <p:strVal val="#ppt_y"/>
+                                          </p:val>
+                                        </p:tav>
+                                      </p:tavLst>
+                                    </p:anim>
+                                  </p:childTnLst>
+                                </p:cTn>
+                              </p:par>
+                            </p:childTnLst>
+                          </p:cTn>
+                        </p:par>
+                      </p:childTnLst>
+                    </p:cTn>
+                  </p:par>
+                  <p:par>
+                    <p:cTn id="10" fill="hold">
+                      <p:stCondLst>
+                        <p:cond delay="indefinite"/>
+                      </p:stCondLst>
+                      <p:childTnLst>
+                        <p:par>
+                          <p:cTn id="11" fill="hold">
+                            <p:stCondLst>
+                              <p:cond delay="0"/>
+                            </p:stCondLst>
+                            <p:childTnLst>
+                              <p:par>
+                                <p:cTn id="12" presetID="42" presetClass="entr" presetSubtype="0" fill="hold" nodeType="clickEffect">
+                                  <p:stCondLst>
+                                    <p:cond delay="0"/>
+                                  </p:stCondLst>
+                                  <p:childTnLst>
+                                    <p:set>
+                                      <p:cBhvr>
+                                        <p:cTn id="13" dur="1" fill="hold">
+                                          <p:stCondLst>
+                                            <p:cond delay="0"/>
+                                          </p:stCondLst>
+                                        </p:cTn>
+                                        <p:tgtEl>
+                                          <p:spTgt spid="4">
+                                            <p:txEl>
+                                              <p:pRg st="2" end="2"/>
+                                            </p:txEl>
+                                          </p:spTgt>
+                                        </p:tgtEl>
+                                        <p:attrNameLst>
+                                          <p:attrName>style.visibility</p:attrName>
+                                        </p:attrNameLst>
+                                      </p:cBhvr>
+                                      <p:to>
+                                        <p:strVal val="visible"/>
+                                      </p:to>
+                                    </p:set>
+                                    <p:animEffect transition="in" filter="fade">
+                                      <p:cBhvr>
+                                        <p:cTn id="14" dur="1000"/>
+                                        <p:tgtEl>
+                                          <p:spTgt spid="4">
+                                            <p:txEl>
+                                              <p:pRg st="2" end="2"/>
+                                            </p:txEl>
+                                          </p:spTgt>
+                                        </p:tgtEl>
+                                      </p:cBhvr>
+                                    </p:animEffect>
+                                    <p:anim calcmode="lin" valueType="num">
+                                      <p:cBhvr>
+                                        <p:cTn id="15" dur="1000" fill="hold"/>
+                                        <p:tgtEl>
+                                          <p:spTgt spid="4">
+                                            <p:txEl>
+                                              <p:pRg st="2" end="2"/>
+                                            </p:txEl>
+                                          </p:spTgt>
+                                        </p:tgtEl>
+                                        <p:attrNameLst>
+                                          <p:attrName>ppt_x</p:attrName>
+                                        </p:attrNameLst>
+                                      </p:cBhvr>
+                                      <p:tavLst>
+                                        <p:tav tm="0">
+                                          <p:val>
+                                            <p:strVal val="#ppt_x"/>
+                                          </p:val>
+                                        </p:tav>
+                                        <p:tav tm="100000">
+                                          <p:val>
+                                            <p:strVal val="#ppt_x"/>
+                                          </p:val>
+                                        </p:tav>
+                                      </p:tavLst>
+                                    </p:anim>
+                                    <p:anim calcmode="lin" valueType="num">
+                                      <p:cBhvr>
+                                        <p:cTn id="16" dur="1000" fill="hold"/>
+                                        <p:tgtEl>
+                                          <p:spTgt spid="4">
+                                            <p:txEl>
+                                              <p:pRg st="2" end="2"/>
+                                            </p:txEl>
+                                          </p:spTgt>
+                                        </p:tgtEl>
+                                        <p:attrNameLst>
+                                          <p:attrName>ppt_y</p:attrName>
+                                        </p:attrNameLst>
+                                      </p:cBhvr>
+                                      <p:tavLst>
+                                        <p:tav tm="0">
+                                          <p:val>
+                                            <p:strVal val="#ppt_y+.1"/>
+                                          </p:val>
+                                        </p:tav>
+                                        <p:tav tm="100000">
+                                          <p:val>
+                                            <p:strVal val="#ppt_y"/>
+                                          </p:val>
+                                        </p:tav>
+                                      </p:tavLst>
+                                    </p:anim>
+                                  </p:childTnLst>
+                                </p:cTn>
+                              </p:par>
+                            </p:childTnLst>
+                          </p:cTn>
+                        </p:par>
+                      </p:childTnLst>
+                    </p:cTn>
+                  </p:par>
+                  <p:par>
+                    <p:cTn id="17" fill="hold">
+                      <p:stCondLst>
+                        <p:cond delay="indefinite"/>
+                      </p:stCondLst>
+                      <p:childTnLst>
+                        <p:par>
+                          <p:cTn id="18" fill="hold">
+                            <p:stCondLst>
+                              <p:cond delay="0"/>
+                            </p:stCondLst>
+                            <p:childTnLst>
+                              <p:par>
+                                <p:cTn id="19" presetID="42" presetClass="entr" presetSubtype="0" fill="hold" nodeType="clickEffect">
+                                  <p:stCondLst>
+                                    <p:cond delay="0"/>
+                                  </p:stCondLst>
+                                  <p:childTnLst>
+                                    <p:set>
+                                      <p:cBhvr>
+                                        <p:cTn id="20" dur="1" fill="hold">
+                                          <p:stCondLst>
+                                            <p:cond delay="0"/>
+                                          </p:stCondLst>
+                                        </p:cTn>
+                                        <p:tgtEl>
+                                          <p:spTgt spid="4">
+                                            <p:txEl>
+                                              <p:pRg st="4" end="4"/>
+                                            </p:txEl>
+                                          </p:spTgt>
+                                        </p:tgtEl>
+                                        <p:attrNameLst>
+                                          <p:attrName>style.visibility</p:attrName>
+                                        </p:attrNameLst>
+                                      </p:cBhvr>
+                                      <p:to>
+                                        <p:strVal val="visible"/>
+                                      </p:to>
+                                    </p:set>
+                                    <p:animEffect transition="in" filter="fade">
+                                      <p:cBhvr>
+                                        <p:cTn id="21" dur="1000"/>
+                                        <p:tgtEl>
+                                          <p:spTgt spid="4">
+                                            <p:txEl>
+                                              <p:pRg st="4" end="4"/>
+                                            </p:txEl>
+                                          </p:spTgt>
+                                        </p:tgtEl>
+                                      </p:cBhvr>
+                                    </p:animEffect>
+                                    <p:anim calcmode="lin" valueType="num">
+                                      <p:cBhvr>
+                                        <p:cTn id="22" dur="1000" fill="hold"/>
+                                        <p:tgtEl>
+                                          <p:spTgt spid="4">
+                                            <p:txEl>
+                                              <p:pRg st="4" end="4"/>
+                                            </p:txEl>
+                                          </p:spTgt>
+                                        </p:tgtEl>
+                                        <p:attrNameLst>
+                                          <p:attrName>ppt_x</p:attrName>
+                                        </p:attrNameLst>
+                                      </p:cBhvr>
+                                      <p:tavLst>
+                                        <p:tav tm="0">
+                                          <p:val>
+                                            <p:strVal val="#ppt_x"/>
+                                          </p:val>
+                                        </p:tav>
+                                        <p:tav tm="100000">
+                                          <p:val>
+                                            <p:strVal val="#ppt_x"/>
+                                          </p:val>
+                                        </p:tav>
+                                      </p:tavLst>
+                                    </p:anim>
+                                    <p:anim calcmode="lin" valueType="num">
+                                      <p:cBhvr>
+                                        <p:cTn id="23" dur="1000" fill="hold"/>
+                                        <p:tgtEl>
+                                          <p:spTgt spid="4">
+                                            <p:txEl>
+                                              <p:pRg st="4" end="4"/>
+                                            </p:txEl>
+                                          </p:spTgt>
+                                        </p:tgtEl>
+                                        <p:attrNameLst>
+                                          <p:attrName>ppt_y</p:attrName>
+                                        </p:attrNameLst>
+                                      </p:cBhvr>
+                                      <p:tavLst>
+                                        <p:tav tm="0">
+                                          <p:val>
+                                            <p:strVal val="#ppt_y+.1"/>
+                                          </p:val>
+                                        </p:tav>
+                                        <p:tav tm="100000">
+                                          <p:val>
+                                            <p:strVal val="#ppt_y"/>
+                                          </p:val>
+                                        </p:tav>
+                                      </p:tavLst>
+                                    </p:anim>
+                                  </p:childTnLst>
+                                </p:cTn>
+                              </p:par>
+                            </p:childTnLst>
+                          </p:cTn>
+                        </p:par>
+                      </p:childTnLst>
+                    </p:cTn>
+                  </p:par>
+                  <p:par>
+                    <p:cTn id="24" fill="hold">
+                      <p:stCondLst>
+                        <p:cond delay="indefinite"/>
+                      </p:stCondLst>
+                      <p:childTnLst>
+                        <p:par>
+                          <p:cTn id="25" fill="hold">
+                            <p:stCondLst>
+                              <p:cond delay="0"/>
+                            </p:stCondLst>
+                            <p:childTnLst>
+                              <p:par>
+                                <p:cTn id="26" presetID="42" presetClass="entr" presetSubtype="0" fill="hold" nodeType="clickEffect">
+                                  <p:stCondLst>
+                                    <p:cond delay="0"/>
+                                  </p:stCondLst>
+                                  <p:childTnLst>
+                                    <p:set>
+                                      <p:cBhvr>
+                                        <p:cTn id="27" dur="1" fill="hold">
+                                          <p:stCondLst>
+                                            <p:cond delay="0"/>
+                                          </p:stCondLst>
+                                        </p:cTn>
+                                        <p:tgtEl>
+                                          <p:spTgt spid="4">
+                                            <p:txEl>
+                                              <p:pRg st="6" end="6"/>
+                                            </p:txEl>
+                                          </p:spTgt>
+                                        </p:tgtEl>
+                                        <p:attrNameLst>
+                                          <p:attrName>style.visibility</p:attrName>
+                                        </p:attrNameLst>
+                                      </p:cBhvr>
+                                      <p:to>
+                                        <p:strVal val="visible"/>
+                                      </p:to>
+                                    </p:set>
+                                    <p:animEffect transition="in" filter="fade">
+                                      <p:cBhvr>
+                                        <p:cTn id="28" dur="1000"/>
+                                        <p:tgtEl>
+                                          <p:spTgt spid="4">
+                                            <p:txEl>
+                                              <p:pRg st="6" end="6"/>
+                                            </p:txEl>
+                                          </p:spTgt>
+                                        </p:tgtEl>
+                                      </p:cBhvr>
+                                    </p:animEffect>
+                                    <p:anim calcmode="lin" valueType="num">
+                                      <p:cBhvr>
+                                        <p:cTn id="29" dur="1000" fill="hold"/>
+                                        <p:tgtEl>
+                                          <p:spTgt spid="4">
+                                            <p:txEl>
+                                              <p:pRg st="6" end="6"/>
+                                            </p:txEl>
+                                          </p:spTgt>
+                                        </p:tgtEl>
+                                        <p:attrNameLst>
+                                          <p:attrName>ppt_x</p:attrName>
+                                        </p:attrNameLst>
+                                      </p:cBhvr>
+                                      <p:tavLst>
+                                        <p:tav tm="0">
+                                          <p:val>
+                                            <p:strVal val="#ppt_x"/>
+                                          </p:val>
+                                        </p:tav>
+                                        <p:tav tm="100000">
+                                          <p:val>
+                                            <p:strVal val="#ppt_x"/>
+                                          </p:val>
+                                        </p:tav>
+                                      </p:tavLst>
+                                    </p:anim>
+                                    <p:anim calcmode="lin" valueType="num">
+                                      <p:cBhvr>
+                                        <p:cTn id="30" dur="1000" fill="hold"/>
+                                        <p:tgtEl>
+                                          <p:spTgt spid="4">
+                                            <p:txEl>
+                                              <p:pRg st="6" end="6"/>
+                                            </p:txEl>
+                                          </p:spTgt>
+                                        </p:tgtEl>
+                                        <p:attrNameLst>
+                                          <p:attrName>ppt_y</p:attrName>
+                                        </p:attrNameLst>
+                                      </p:cBhvr>
+                                      <p:tavLst>
+                                        <p:tav tm="0">
+                                          <p:val>
+                                            <p:strVal val="#ppt_y+.1"/>
+                                          </p:val>
+                                        </p:tav>
+                                        <p:tav tm="100000">
+                                          <p:val>
+                                            <p:strVal val="#ppt_y"/>
+                                          </p:val>
+                                        </p:tav>
+                                      </p:tavLst>
+                                    </p:anim>
+                                  </p:childTnLst>
+                                </p:cTn>
+                              </p:par>
+                            </p:childTnLst>
+                          </p:cTn>
+                        </p:par>
+                      </p:childTnLst>
+                    </p:cTn>
+                  </p:par>
+                </p:childTnLst>
+              </p:cTn>
+              <p:prevCondLst>
+                <p:cond evt="onPrev" delay="0">
+                  <p:tgtEl>
+                    <p:sldTgt/>
+                  </p:tgtEl>
+                </p:cond>
+              </p:prevCondLst>
+              <p:nextCondLst>
+                <p:cond evt="onNext" delay="0">
+                  <p:tgtEl>
+                    <p:sldTgt/>
+                  </p:tgtEl>
+                </p:cond>
+              </p:nextCondLst>
+            </p:seq>
+          </p:childTnLst>
+        </p:cTn>
+      </p:par>
+    </p:tnLst>
+  </p:timing>
+</p:sld>
+</file>
+
+<file path=ppt/slides/slide4.xml><?xml version="1.0" encoding="utf-8"?>
+<p:sld xmlns:a="http://schemas.openxmlformats.org/drawingml/2006/main" xmlns:r="http://schemas.openxmlformats.org/officeDocument/2006/relationships" xmlns:p="http://schemas.openxmlformats.org/presentationml/2006/main">
+  <p:cSld>
+    <p:spTree>
+      <p:nvGrpSpPr>
+        <p:cNvPr id="1" name=""/>
+        <p:cNvGrpSpPr/>
+        <p:nvPr/>
+      </p:nvGrpSpPr>
+      <p:grpSpPr>
+        <a:xfrm>
+          <a:off x="0" y="0"/>
+          <a:ext cx="0" cy="0"/>
+          <a:chOff x="0" y="0"/>
+          <a:chExt cx="0" cy="0"/>
+        </a:xfrm>
+      </p:grpSpPr>
+      <p:sp>
+        <p:nvSpPr>
           <p:cNvPr id="3" name="Text Placeholder 2">
             <a:extLst>
               <a:ext uri="{FF2B5EF4-FFF2-40B4-BE49-F238E27FC236}">
@@ -7378,7 +8063,7 @@
 </p:sld>
 </file>
 
-<file path=ppt/slides/slide4.xml><?xml version="1.0" encoding="utf-8"?>
+<file path=ppt/slides/slide5.xml><?xml version="1.0" encoding="utf-8"?>
 <p:sld xmlns:a="http://schemas.openxmlformats.org/drawingml/2006/main" xmlns:r="http://schemas.openxmlformats.org/officeDocument/2006/relationships" xmlns:p="http://schemas.openxmlformats.org/presentationml/2006/main">
   <p:cSld>
     <p:spTree>
